--- a/9조_발표_ppt.pptx
+++ b/9조_발표_ppt.pptx
@@ -5,10 +5,10 @@
     <p:sldMasterId id="2147483648" r:id="rId4"/>
   </p:sldMasterIdLst>
   <p:notesMasterIdLst>
-    <p:notesMasterId r:id="rId15"/>
+    <p:notesMasterId r:id="rId16"/>
   </p:notesMasterIdLst>
   <p:handoutMasterIdLst>
-    <p:handoutMasterId r:id="rId16"/>
+    <p:handoutMasterId r:id="rId17"/>
   </p:handoutMasterIdLst>
   <p:sldIdLst>
     <p:sldId id="858" r:id="rId5"/>
@@ -16,36 +16,37 @@
     <p:sldId id="859" r:id="rId7"/>
     <p:sldId id="860" r:id="rId8"/>
     <p:sldId id="861" r:id="rId9"/>
-    <p:sldId id="865" r:id="rId10"/>
-    <p:sldId id="864" r:id="rId11"/>
-    <p:sldId id="863" r:id="rId12"/>
-    <p:sldId id="867" r:id="rId13"/>
-    <p:sldId id="857" r:id="rId14"/>
+    <p:sldId id="868" r:id="rId10"/>
+    <p:sldId id="865" r:id="rId11"/>
+    <p:sldId id="864" r:id="rId12"/>
+    <p:sldId id="863" r:id="rId13"/>
+    <p:sldId id="867" r:id="rId14"/>
+    <p:sldId id="857" r:id="rId15"/>
   </p:sldIdLst>
   <p:sldSz cx="9144000" cy="6858000" type="screen4x3"/>
   <p:notesSz cx="6797675" cy="9926638"/>
   <p:embeddedFontLst>
     <p:embeddedFont>
       <p:font typeface="HY강M" panose="020B0600000101010101" charset="-127"/>
-      <p:regular r:id="rId17"/>
+      <p:regular r:id="rId18"/>
     </p:embeddedFont>
     <p:embeddedFont>
       <p:font typeface="나눔바른고딕" panose="020B0600000101010101" charset="-127"/>
-      <p:regular r:id="rId18"/>
-      <p:bold r:id="rId19"/>
+      <p:regular r:id="rId19"/>
+      <p:bold r:id="rId20"/>
     </p:embeddedFont>
     <p:embeddedFont>
       <p:font typeface="인터파크고딕 B" panose="020B0600000101010101" charset="-127"/>
-      <p:regular r:id="rId20"/>
+      <p:regular r:id="rId21"/>
     </p:embeddedFont>
     <p:embeddedFont>
       <p:font typeface="HY견명조" panose="02030600000101010101" pitchFamily="18" charset="-127"/>
-      <p:regular r:id="rId21"/>
+      <p:regular r:id="rId22"/>
     </p:embeddedFont>
     <p:embeddedFont>
       <p:font typeface="맑은 고딕" panose="020B0503020000020004" pitchFamily="50" charset="-127"/>
-      <p:regular r:id="rId22"/>
-      <p:bold r:id="rId23"/>
+      <p:regular r:id="rId23"/>
+      <p:bold r:id="rId24"/>
     </p:embeddedFont>
   </p:embeddedFontLst>
   <p:defaultTextStyle>
@@ -864,7 +865,7 @@
             <a:fld id="{3A12BE35-E994-43D2-8D95-2EDB36AC42AD}" type="slidenum">
               <a:rPr lang="ko-KR" altLang="en-US" smtClean="0"/>
               <a:pPr/>
-              <a:t>10</a:t>
+              <a:t>11</a:t>
             </a:fld>
             <a:endParaRPr lang="ko-KR" altLang="en-US"/>
           </a:p>
@@ -8415,6 +8416,244 @@
       </p:grpSpPr>
       <p:sp>
         <p:nvSpPr>
+          <p:cNvPr id="5" name="제목 1"/>
+          <p:cNvSpPr>
+            <a:spLocks noGrp="1"/>
+          </p:cNvSpPr>
+          <p:nvPr>
+            <p:ph type="title"/>
+          </p:nvPr>
+        </p:nvSpPr>
+        <p:spPr>
+          <a:xfrm>
+            <a:off x="-9743" y="-1754"/>
+            <a:ext cx="2061463" cy="1143000"/>
+          </a:xfrm>
+        </p:spPr>
+        <p:txBody>
+          <a:bodyPr>
+            <a:normAutofit/>
+          </a:bodyPr>
+          <a:lstStyle/>
+          <a:p>
+            <a:pPr marL="857250" indent="-857250">
+              <a:buFont typeface="+mj-lt"/>
+              <a:buAutoNum type="romanUcPeriod" startAt="7"/>
+            </a:pPr>
+            <a:r>
+              <a:rPr lang="ko-KR" altLang="en-US" sz="2800" dirty="0"/>
+              <a:t>결론</a:t>
+            </a:r>
+          </a:p>
+        </p:txBody>
+      </p:sp>
+      <p:sp>
+        <p:nvSpPr>
+          <p:cNvPr id="8" name="직사각형 7"/>
+          <p:cNvSpPr/>
+          <p:nvPr/>
+        </p:nvSpPr>
+        <p:spPr>
+          <a:xfrm>
+            <a:off x="3138645" y="1852804"/>
+            <a:ext cx="2855754" cy="571504"/>
+          </a:xfrm>
+          <a:prstGeom prst="rect">
+            <a:avLst/>
+          </a:prstGeom>
+          <a:noFill/>
+          <a:ln w="15875">
+            <a:solidFill>
+              <a:srgbClr val="72BB61"/>
+            </a:solidFill>
+          </a:ln>
+        </p:spPr>
+        <p:style>
+          <a:lnRef idx="2">
+            <a:schemeClr val="accent1">
+              <a:shade val="50000"/>
+            </a:schemeClr>
+          </a:lnRef>
+          <a:fillRef idx="1">
+            <a:schemeClr val="accent1"/>
+          </a:fillRef>
+          <a:effectRef idx="0">
+            <a:schemeClr val="accent1"/>
+          </a:effectRef>
+          <a:fontRef idx="minor">
+            <a:schemeClr val="lt1"/>
+          </a:fontRef>
+        </p:style>
+        <p:txBody>
+          <a:bodyPr rtlCol="0" anchor="ctr"/>
+          <a:lstStyle/>
+          <a:p>
+            <a:pPr algn="ctr"/>
+            <a:r>
+              <a:rPr lang="ko-KR" altLang="en-US" dirty="0">
+                <a:solidFill>
+                  <a:schemeClr val="tx1"/>
+                </a:solidFill>
+              </a:rPr>
+              <a:t>결과와 성과</a:t>
+            </a:r>
+          </a:p>
+        </p:txBody>
+      </p:sp>
+      <p:sp>
+        <p:nvSpPr>
+          <p:cNvPr id="13" name="직사각형 12"/>
+          <p:cNvSpPr/>
+          <p:nvPr/>
+        </p:nvSpPr>
+        <p:spPr>
+          <a:xfrm>
+            <a:off x="3146296" y="3143248"/>
+            <a:ext cx="2851407" cy="571504"/>
+          </a:xfrm>
+          <a:prstGeom prst="rect">
+            <a:avLst/>
+          </a:prstGeom>
+          <a:noFill/>
+          <a:ln w="15875">
+            <a:solidFill>
+              <a:srgbClr val="72BB61"/>
+            </a:solidFill>
+          </a:ln>
+        </p:spPr>
+        <p:style>
+          <a:lnRef idx="2">
+            <a:schemeClr val="accent1">
+              <a:shade val="50000"/>
+            </a:schemeClr>
+          </a:lnRef>
+          <a:fillRef idx="1">
+            <a:schemeClr val="accent1"/>
+          </a:fillRef>
+          <a:effectRef idx="0">
+            <a:schemeClr val="accent1"/>
+          </a:effectRef>
+          <a:fontRef idx="minor">
+            <a:schemeClr val="lt1"/>
+          </a:fontRef>
+        </p:style>
+        <p:txBody>
+          <a:bodyPr rtlCol="0" anchor="ctr"/>
+          <a:lstStyle/>
+          <a:p>
+            <a:pPr algn="ctr"/>
+            <a:r>
+              <a:rPr lang="ko-KR" altLang="en-US" dirty="0">
+                <a:solidFill>
+                  <a:schemeClr val="tx1"/>
+                </a:solidFill>
+              </a:rPr>
+              <a:t>개선</a:t>
+            </a:r>
+            <a:r>
+              <a:rPr lang="en-US" altLang="ko-KR" dirty="0">
+                <a:solidFill>
+                  <a:schemeClr val="tx1"/>
+                </a:solidFill>
+              </a:rPr>
+              <a:t>, </a:t>
+            </a:r>
+            <a:r>
+              <a:rPr lang="ko-KR" altLang="en-US" dirty="0">
+                <a:solidFill>
+                  <a:schemeClr val="tx1"/>
+                </a:solidFill>
+              </a:rPr>
+              <a:t>추가 사항</a:t>
+            </a:r>
+          </a:p>
+        </p:txBody>
+      </p:sp>
+      <p:sp>
+        <p:nvSpPr>
+          <p:cNvPr id="16" name="직사각형 15"/>
+          <p:cNvSpPr/>
+          <p:nvPr/>
+        </p:nvSpPr>
+        <p:spPr>
+          <a:xfrm>
+            <a:off x="3146296" y="4433692"/>
+            <a:ext cx="2848103" cy="571504"/>
+          </a:xfrm>
+          <a:prstGeom prst="rect">
+            <a:avLst/>
+          </a:prstGeom>
+          <a:noFill/>
+          <a:ln w="15875">
+            <a:solidFill>
+              <a:srgbClr val="72BB61"/>
+            </a:solidFill>
+          </a:ln>
+        </p:spPr>
+        <p:style>
+          <a:lnRef idx="2">
+            <a:schemeClr val="accent1">
+              <a:shade val="50000"/>
+            </a:schemeClr>
+          </a:lnRef>
+          <a:fillRef idx="1">
+            <a:schemeClr val="accent1"/>
+          </a:fillRef>
+          <a:effectRef idx="0">
+            <a:schemeClr val="accent1"/>
+          </a:effectRef>
+          <a:fontRef idx="minor">
+            <a:schemeClr val="lt1"/>
+          </a:fontRef>
+        </p:style>
+        <p:txBody>
+          <a:bodyPr rtlCol="0" anchor="ctr"/>
+          <a:lstStyle/>
+          <a:p>
+            <a:pPr algn="ctr"/>
+            <a:r>
+              <a:rPr lang="ko-KR" altLang="en-US" dirty="0">
+                <a:solidFill>
+                  <a:schemeClr val="tx1"/>
+                </a:solidFill>
+              </a:rPr>
+              <a:t>회고</a:t>
+            </a:r>
+          </a:p>
+        </p:txBody>
+      </p:sp>
+    </p:spTree>
+    <p:extLst>
+      <p:ext uri="{BB962C8B-B14F-4D97-AF65-F5344CB8AC3E}">
+        <p14:creationId xmlns:p14="http://schemas.microsoft.com/office/powerpoint/2010/main" val="4203246430"/>
+      </p:ext>
+    </p:extLst>
+  </p:cSld>
+  <p:clrMapOvr>
+    <a:masterClrMapping/>
+  </p:clrMapOvr>
+</p:sld>
+</file>
+
+<file path=ppt/slides/slide11.xml><?xml version="1.0" encoding="utf-8"?>
+<p:sld xmlns:a="http://schemas.openxmlformats.org/drawingml/2006/main" xmlns:r="http://schemas.openxmlformats.org/officeDocument/2006/relationships" xmlns:p="http://schemas.openxmlformats.org/presentationml/2006/main">
+  <p:cSld>
+    <p:spTree>
+      <p:nvGrpSpPr>
+        <p:cNvPr id="1" name=""/>
+        <p:cNvGrpSpPr/>
+        <p:nvPr/>
+      </p:nvGrpSpPr>
+      <p:grpSpPr>
+        <a:xfrm>
+          <a:off x="0" y="0"/>
+          <a:ext cx="0" cy="0"/>
+          <a:chOff x="0" y="0"/>
+          <a:chExt cx="0" cy="0"/>
+        </a:xfrm>
+      </p:grpSpPr>
+      <p:sp>
+        <p:nvSpPr>
           <p:cNvPr id="4" name="직사각형 3"/>
           <p:cNvSpPr/>
           <p:nvPr/>
@@ -17915,6 +18154,111 @@
       </p:grpSpPr>
       <p:sp>
         <p:nvSpPr>
+          <p:cNvPr id="2" name="제목 1"/>
+          <p:cNvSpPr>
+            <a:spLocks noGrp="1"/>
+          </p:cNvSpPr>
+          <p:nvPr>
+            <p:ph type="title"/>
+          </p:nvPr>
+        </p:nvSpPr>
+        <p:spPr>
+          <a:xfrm>
+            <a:off x="0" y="-18752"/>
+            <a:ext cx="5724128" cy="1143000"/>
+          </a:xfrm>
+        </p:spPr>
+        <p:txBody>
+          <a:bodyPr>
+            <a:normAutofit fontScale="90000"/>
+          </a:bodyPr>
+          <a:lstStyle/>
+          <a:p>
+            <a:pPr marL="571500" indent="-571500">
+              <a:lnSpc>
+                <a:spcPct val="200000"/>
+              </a:lnSpc>
+              <a:buFont typeface="+mj-lt"/>
+              <a:buAutoNum type="romanUcPeriod" startAt="3"/>
+            </a:pPr>
+            <a:r>
+              <a:rPr lang="ko-KR" altLang="en-US" sz="2800" dirty="0"/>
+              <a:t>프로젝트 구조 및 </a:t>
+            </a:r>
+            <a:r>
+              <a:rPr lang="en-US" altLang="ko-KR" sz="2800" dirty="0"/>
+              <a:t>REST API </a:t>
+            </a:r>
+            <a:r>
+              <a:rPr lang="ko-KR" altLang="en-US" sz="2800" dirty="0"/>
+              <a:t>설계</a:t>
+            </a:r>
+            <a:endParaRPr lang="en-US" altLang="ko-KR" sz="2800" dirty="0"/>
+          </a:p>
+        </p:txBody>
+      </p:sp>
+      <p:pic>
+        <p:nvPicPr>
+          <p:cNvPr id="4" name="그림 3">
+            <a:extLst>
+              <a:ext uri="{FF2B5EF4-FFF2-40B4-BE49-F238E27FC236}">
+                <a16:creationId xmlns:a16="http://schemas.microsoft.com/office/drawing/2014/main" id="{82FD54B5-5868-1217-C341-B94D604477CE}"/>
+              </a:ext>
+            </a:extLst>
+          </p:cNvPr>
+          <p:cNvPicPr>
+            <a:picLocks noChangeAspect="1"/>
+          </p:cNvPicPr>
+          <p:nvPr/>
+        </p:nvPicPr>
+        <p:blipFill>
+          <a:blip r:embed="rId2"/>
+          <a:stretch>
+            <a:fillRect/>
+          </a:stretch>
+        </p:blipFill>
+        <p:spPr>
+          <a:xfrm>
+            <a:off x="1375916" y="1480865"/>
+            <a:ext cx="6392167" cy="3896269"/>
+          </a:xfrm>
+          <a:prstGeom prst="rect">
+            <a:avLst/>
+          </a:prstGeom>
+        </p:spPr>
+      </p:pic>
+    </p:spTree>
+    <p:extLst>
+      <p:ext uri="{BB962C8B-B14F-4D97-AF65-F5344CB8AC3E}">
+        <p14:creationId xmlns:p14="http://schemas.microsoft.com/office/powerpoint/2010/main" val="172980825"/>
+      </p:ext>
+    </p:extLst>
+  </p:cSld>
+  <p:clrMapOvr>
+    <a:masterClrMapping/>
+  </p:clrMapOvr>
+</p:sld>
+</file>
+
+<file path=ppt/slides/slide7.xml><?xml version="1.0" encoding="utf-8"?>
+<p:sld xmlns:a="http://schemas.openxmlformats.org/drawingml/2006/main" xmlns:r="http://schemas.openxmlformats.org/officeDocument/2006/relationships" xmlns:p="http://schemas.openxmlformats.org/presentationml/2006/main">
+  <p:cSld>
+    <p:spTree>
+      <p:nvGrpSpPr>
+        <p:cNvPr id="1" name=""/>
+        <p:cNvGrpSpPr/>
+        <p:nvPr/>
+      </p:nvGrpSpPr>
+      <p:grpSpPr>
+        <a:xfrm>
+          <a:off x="0" y="0"/>
+          <a:ext cx="0" cy="0"/>
+          <a:chOff x="0" y="0"/>
+          <a:chExt cx="0" cy="0"/>
+        </a:xfrm>
+      </p:grpSpPr>
+      <p:sp>
+        <p:nvSpPr>
           <p:cNvPr id="5" name="제목 1"/>
           <p:cNvSpPr>
             <a:spLocks noGrp="1"/>
@@ -18055,7 +18399,7 @@
 </p:sld>
 </file>
 
-<file path=ppt/slides/slide7.xml><?xml version="1.0" encoding="utf-8"?>
+<file path=ppt/slides/slide8.xml><?xml version="1.0" encoding="utf-8"?>
 <p:sld xmlns:a="http://schemas.openxmlformats.org/drawingml/2006/main" xmlns:r="http://schemas.openxmlformats.org/officeDocument/2006/relationships" xmlns:p="http://schemas.openxmlformats.org/presentationml/2006/main">
   <p:cSld>
     <p:spTree>
@@ -18241,7 +18585,7 @@
 </p:sld>
 </file>
 
-<file path=ppt/slides/slide8.xml><?xml version="1.0" encoding="utf-8"?>
+<file path=ppt/slides/slide9.xml><?xml version="1.0" encoding="utf-8"?>
 <p:sld xmlns:a="http://schemas.openxmlformats.org/drawingml/2006/main" xmlns:r="http://schemas.openxmlformats.org/officeDocument/2006/relationships" xmlns:p="http://schemas.openxmlformats.org/presentationml/2006/main">
   <p:cSld>
     <p:spTree>
@@ -18437,244 +18781,6 @@
         </p:txBody>
       </p:sp>
     </p:spTree>
-  </p:cSld>
-  <p:clrMapOvr>
-    <a:masterClrMapping/>
-  </p:clrMapOvr>
-</p:sld>
-</file>
-
-<file path=ppt/slides/slide9.xml><?xml version="1.0" encoding="utf-8"?>
-<p:sld xmlns:a="http://schemas.openxmlformats.org/drawingml/2006/main" xmlns:r="http://schemas.openxmlformats.org/officeDocument/2006/relationships" xmlns:p="http://schemas.openxmlformats.org/presentationml/2006/main">
-  <p:cSld>
-    <p:spTree>
-      <p:nvGrpSpPr>
-        <p:cNvPr id="1" name=""/>
-        <p:cNvGrpSpPr/>
-        <p:nvPr/>
-      </p:nvGrpSpPr>
-      <p:grpSpPr>
-        <a:xfrm>
-          <a:off x="0" y="0"/>
-          <a:ext cx="0" cy="0"/>
-          <a:chOff x="0" y="0"/>
-          <a:chExt cx="0" cy="0"/>
-        </a:xfrm>
-      </p:grpSpPr>
-      <p:sp>
-        <p:nvSpPr>
-          <p:cNvPr id="5" name="제목 1"/>
-          <p:cNvSpPr>
-            <a:spLocks noGrp="1"/>
-          </p:cNvSpPr>
-          <p:nvPr>
-            <p:ph type="title"/>
-          </p:nvPr>
-        </p:nvSpPr>
-        <p:spPr>
-          <a:xfrm>
-            <a:off x="-9743" y="-1754"/>
-            <a:ext cx="2061463" cy="1143000"/>
-          </a:xfrm>
-        </p:spPr>
-        <p:txBody>
-          <a:bodyPr>
-            <a:normAutofit/>
-          </a:bodyPr>
-          <a:lstStyle/>
-          <a:p>
-            <a:pPr marL="857250" indent="-857250">
-              <a:buFont typeface="+mj-lt"/>
-              <a:buAutoNum type="romanUcPeriod" startAt="7"/>
-            </a:pPr>
-            <a:r>
-              <a:rPr lang="ko-KR" altLang="en-US" sz="2800" dirty="0"/>
-              <a:t>결론</a:t>
-            </a:r>
-          </a:p>
-        </p:txBody>
-      </p:sp>
-      <p:sp>
-        <p:nvSpPr>
-          <p:cNvPr id="8" name="직사각형 7"/>
-          <p:cNvSpPr/>
-          <p:nvPr/>
-        </p:nvSpPr>
-        <p:spPr>
-          <a:xfrm>
-            <a:off x="3138645" y="1852804"/>
-            <a:ext cx="2855754" cy="571504"/>
-          </a:xfrm>
-          <a:prstGeom prst="rect">
-            <a:avLst/>
-          </a:prstGeom>
-          <a:noFill/>
-          <a:ln w="15875">
-            <a:solidFill>
-              <a:srgbClr val="72BB61"/>
-            </a:solidFill>
-          </a:ln>
-        </p:spPr>
-        <p:style>
-          <a:lnRef idx="2">
-            <a:schemeClr val="accent1">
-              <a:shade val="50000"/>
-            </a:schemeClr>
-          </a:lnRef>
-          <a:fillRef idx="1">
-            <a:schemeClr val="accent1"/>
-          </a:fillRef>
-          <a:effectRef idx="0">
-            <a:schemeClr val="accent1"/>
-          </a:effectRef>
-          <a:fontRef idx="minor">
-            <a:schemeClr val="lt1"/>
-          </a:fontRef>
-        </p:style>
-        <p:txBody>
-          <a:bodyPr rtlCol="0" anchor="ctr"/>
-          <a:lstStyle/>
-          <a:p>
-            <a:pPr algn="ctr"/>
-            <a:r>
-              <a:rPr lang="ko-KR" altLang="en-US" dirty="0">
-                <a:solidFill>
-                  <a:schemeClr val="tx1"/>
-                </a:solidFill>
-              </a:rPr>
-              <a:t>결과와 성과</a:t>
-            </a:r>
-          </a:p>
-        </p:txBody>
-      </p:sp>
-      <p:sp>
-        <p:nvSpPr>
-          <p:cNvPr id="13" name="직사각형 12"/>
-          <p:cNvSpPr/>
-          <p:nvPr/>
-        </p:nvSpPr>
-        <p:spPr>
-          <a:xfrm>
-            <a:off x="3146296" y="3143248"/>
-            <a:ext cx="2851407" cy="571504"/>
-          </a:xfrm>
-          <a:prstGeom prst="rect">
-            <a:avLst/>
-          </a:prstGeom>
-          <a:noFill/>
-          <a:ln w="15875">
-            <a:solidFill>
-              <a:srgbClr val="72BB61"/>
-            </a:solidFill>
-          </a:ln>
-        </p:spPr>
-        <p:style>
-          <a:lnRef idx="2">
-            <a:schemeClr val="accent1">
-              <a:shade val="50000"/>
-            </a:schemeClr>
-          </a:lnRef>
-          <a:fillRef idx="1">
-            <a:schemeClr val="accent1"/>
-          </a:fillRef>
-          <a:effectRef idx="0">
-            <a:schemeClr val="accent1"/>
-          </a:effectRef>
-          <a:fontRef idx="minor">
-            <a:schemeClr val="lt1"/>
-          </a:fontRef>
-        </p:style>
-        <p:txBody>
-          <a:bodyPr rtlCol="0" anchor="ctr"/>
-          <a:lstStyle/>
-          <a:p>
-            <a:pPr algn="ctr"/>
-            <a:r>
-              <a:rPr lang="ko-KR" altLang="en-US" dirty="0">
-                <a:solidFill>
-                  <a:schemeClr val="tx1"/>
-                </a:solidFill>
-              </a:rPr>
-              <a:t>개선</a:t>
-            </a:r>
-            <a:r>
-              <a:rPr lang="en-US" altLang="ko-KR" dirty="0">
-                <a:solidFill>
-                  <a:schemeClr val="tx1"/>
-                </a:solidFill>
-              </a:rPr>
-              <a:t>, </a:t>
-            </a:r>
-            <a:r>
-              <a:rPr lang="ko-KR" altLang="en-US" dirty="0">
-                <a:solidFill>
-                  <a:schemeClr val="tx1"/>
-                </a:solidFill>
-              </a:rPr>
-              <a:t>추가 사항</a:t>
-            </a:r>
-          </a:p>
-        </p:txBody>
-      </p:sp>
-      <p:sp>
-        <p:nvSpPr>
-          <p:cNvPr id="16" name="직사각형 15"/>
-          <p:cNvSpPr/>
-          <p:nvPr/>
-        </p:nvSpPr>
-        <p:spPr>
-          <a:xfrm>
-            <a:off x="3146296" y="4433692"/>
-            <a:ext cx="2848103" cy="571504"/>
-          </a:xfrm>
-          <a:prstGeom prst="rect">
-            <a:avLst/>
-          </a:prstGeom>
-          <a:noFill/>
-          <a:ln w="15875">
-            <a:solidFill>
-              <a:srgbClr val="72BB61"/>
-            </a:solidFill>
-          </a:ln>
-        </p:spPr>
-        <p:style>
-          <a:lnRef idx="2">
-            <a:schemeClr val="accent1">
-              <a:shade val="50000"/>
-            </a:schemeClr>
-          </a:lnRef>
-          <a:fillRef idx="1">
-            <a:schemeClr val="accent1"/>
-          </a:fillRef>
-          <a:effectRef idx="0">
-            <a:schemeClr val="accent1"/>
-          </a:effectRef>
-          <a:fontRef idx="minor">
-            <a:schemeClr val="lt1"/>
-          </a:fontRef>
-        </p:style>
-        <p:txBody>
-          <a:bodyPr rtlCol="0" anchor="ctr"/>
-          <a:lstStyle/>
-          <a:p>
-            <a:pPr algn="ctr"/>
-            <a:r>
-              <a:rPr lang="ko-KR" altLang="en-US" dirty="0">
-                <a:solidFill>
-                  <a:schemeClr val="tx1"/>
-                </a:solidFill>
-              </a:rPr>
-              <a:t>회고</a:t>
-            </a:r>
-          </a:p>
-        </p:txBody>
-      </p:sp>
-    </p:spTree>
-    <p:extLst>
-      <p:ext uri="{BB962C8B-B14F-4D97-AF65-F5344CB8AC3E}">
-        <p14:creationId xmlns:p14="http://schemas.microsoft.com/office/powerpoint/2010/main" val="4203246430"/>
-      </p:ext>
-    </p:extLst>
   </p:cSld>
   <p:clrMapOvr>
     <a:masterClrMapping/>
@@ -19532,15 +19638,6 @@
 </file>
 
 <file path=customXml/item1.xml><?xml version="1.0" encoding="utf-8"?>
-<?mso-contentType ?>
-<FormTemplates xmlns="http://schemas.microsoft.com/sharepoint/v3/contenttype/forms">
-  <Display>DocumentLibraryForm</Display>
-  <Edit>DocumentLibraryForm</Edit>
-  <New>DocumentLibraryForm</New>
-</FormTemplates>
-</file>
-
-<file path=customXml/item2.xml><?xml version="1.0" encoding="utf-8"?>
 <ct:contentTypeSchema xmlns:ct="http://schemas.microsoft.com/office/2006/metadata/contentType" xmlns:ma="http://schemas.microsoft.com/office/2006/metadata/properties/metaAttributes" ct:_="" ma:_="" ma:contentTypeName="문서" ma:contentTypeID="0x010100E28D525440B82C4C8C8E559D4BDE8287" ma:contentTypeVersion="0" ma:contentTypeDescription="새 문서를 만듭니다." ma:contentTypeScope="" ma:versionID="919510133f2ae86e1debdd944922310a">
   <xsd:schema xmlns:xsd="http://www.w3.org/2001/XMLSchema" xmlns:xs="http://www.w3.org/2001/XMLSchema" xmlns:p="http://schemas.microsoft.com/office/2006/metadata/properties" targetNamespace="http://schemas.microsoft.com/office/2006/metadata/properties" ma:root="true" ma:fieldsID="dd8f6c9257034a6ffde9c3b3e5e5b894">
     <xsd:element name="properties">
@@ -19654,6 +19751,15 @@
 </ct:contentTypeSchema>
 </file>
 
+<file path=customXml/item2.xml><?xml version="1.0" encoding="utf-8"?>
+<?mso-contentType ?>
+<FormTemplates xmlns="http://schemas.microsoft.com/sharepoint/v3/contenttype/forms">
+  <Display>DocumentLibraryForm</Display>
+  <Edit>DocumentLibraryForm</Edit>
+  <New>DocumentLibraryForm</New>
+</FormTemplates>
+</file>
+
 <file path=customXml/item3.xml><?xml version="1.0" encoding="utf-8"?>
 <p:properties xmlns:p="http://schemas.microsoft.com/office/2006/metadata/properties" xmlns:xsi="http://www.w3.org/2001/XMLSchema-instance" xmlns:pc="http://schemas.microsoft.com/office/infopath/2007/PartnerControls">
   <documentManagement/>
@@ -19661,14 +19767,6 @@
 </file>
 
 <file path=customXml/itemProps1.xml><?xml version="1.0" encoding="utf-8"?>
-<ds:datastoreItem xmlns:ds="http://schemas.openxmlformats.org/officeDocument/2006/customXml" ds:itemID="{63A7913D-4047-4125-BE52-DACAE5599D56}">
-  <ds:schemaRefs>
-    <ds:schemaRef ds:uri="http://schemas.microsoft.com/sharepoint/v3/contenttype/forms"/>
-  </ds:schemaRefs>
-</ds:datastoreItem>
-</file>
-
-<file path=customXml/itemProps2.xml><?xml version="1.0" encoding="utf-8"?>
 <ds:datastoreItem xmlns:ds="http://schemas.openxmlformats.org/officeDocument/2006/customXml" ds:itemID="{30B4E994-6BC7-43B5-A465-CA4F0A17AFDA}">
   <ds:schemaRefs>
     <ds:schemaRef ds:uri="http://schemas.microsoft.com/office/2006/metadata/contentType"/>
@@ -19680,6 +19778,14 @@
     <ds:schemaRef ds:uri="http://purl.org/dc/terms/"/>
     <ds:schemaRef ds:uri="http://schemas.microsoft.com/internal/obd"/>
     <ds:schemaRef ds:uri="http://schemas.microsoft.com/office/infopath/2007/PartnerControls"/>
+  </ds:schemaRefs>
+</ds:datastoreItem>
+</file>
+
+<file path=customXml/itemProps2.xml><?xml version="1.0" encoding="utf-8"?>
+<ds:datastoreItem xmlns:ds="http://schemas.openxmlformats.org/officeDocument/2006/customXml" ds:itemID="{63A7913D-4047-4125-BE52-DACAE5599D56}">
+  <ds:schemaRefs>
+    <ds:schemaRef ds:uri="http://schemas.microsoft.com/sharepoint/v3/contenttype/forms"/>
   </ds:schemaRefs>
 </ds:datastoreItem>
 </file>

--- a/9조_발표_ppt.pptx
+++ b/9조_발표_ppt.pptx
@@ -5,10 +5,10 @@
     <p:sldMasterId id="2147483648" r:id="rId4"/>
   </p:sldMasterIdLst>
   <p:notesMasterIdLst>
-    <p:notesMasterId r:id="rId16"/>
+    <p:notesMasterId r:id="rId15"/>
   </p:notesMasterIdLst>
   <p:handoutMasterIdLst>
-    <p:handoutMasterId r:id="rId17"/>
+    <p:handoutMasterId r:id="rId16"/>
   </p:handoutMasterIdLst>
   <p:sldIdLst>
     <p:sldId id="858" r:id="rId5"/>
@@ -19,34 +19,33 @@
     <p:sldId id="868" r:id="rId10"/>
     <p:sldId id="865" r:id="rId11"/>
     <p:sldId id="864" r:id="rId12"/>
-    <p:sldId id="863" r:id="rId13"/>
-    <p:sldId id="867" r:id="rId14"/>
-    <p:sldId id="857" r:id="rId15"/>
+    <p:sldId id="867" r:id="rId13"/>
+    <p:sldId id="857" r:id="rId14"/>
   </p:sldIdLst>
   <p:sldSz cx="9144000" cy="6858000" type="screen4x3"/>
   <p:notesSz cx="6797675" cy="9926638"/>
   <p:embeddedFontLst>
     <p:embeddedFont>
       <p:font typeface="HY강M" panose="020B0600000101010101" charset="-127"/>
-      <p:regular r:id="rId18"/>
+      <p:regular r:id="rId17"/>
     </p:embeddedFont>
     <p:embeddedFont>
       <p:font typeface="나눔바른고딕" panose="020B0600000101010101" charset="-127"/>
-      <p:regular r:id="rId19"/>
-      <p:bold r:id="rId20"/>
+      <p:regular r:id="rId18"/>
+      <p:bold r:id="rId19"/>
     </p:embeddedFont>
     <p:embeddedFont>
       <p:font typeface="인터파크고딕 B" panose="020B0600000101010101" charset="-127"/>
+      <p:regular r:id="rId20"/>
+    </p:embeddedFont>
+    <p:embeddedFont>
+      <p:font typeface="HY견명조" panose="02030600000101010101" pitchFamily="18" charset="-127"/>
       <p:regular r:id="rId21"/>
     </p:embeddedFont>
     <p:embeddedFont>
-      <p:font typeface="HY견명조" panose="02030600000101010101" pitchFamily="18" charset="-127"/>
+      <p:font typeface="맑은 고딕" panose="020B0503020000020004" pitchFamily="50" charset="-127"/>
       <p:regular r:id="rId22"/>
-    </p:embeddedFont>
-    <p:embeddedFont>
-      <p:font typeface="맑은 고딕" panose="020B0503020000020004" pitchFamily="50" charset="-127"/>
-      <p:regular r:id="rId23"/>
-      <p:bold r:id="rId24"/>
+      <p:bold r:id="rId23"/>
     </p:embeddedFont>
   </p:embeddedFontLst>
   <p:defaultTextStyle>
@@ -865,7 +864,7 @@
             <a:fld id="{3A12BE35-E994-43D2-8D95-2EDB36AC42AD}" type="slidenum">
               <a:rPr lang="ko-KR" altLang="en-US" smtClean="0"/>
               <a:pPr/>
-              <a:t>11</a:t>
+              <a:t>10</a:t>
             </a:fld>
             <a:endParaRPr lang="ko-KR" altLang="en-US"/>
           </a:p>
@@ -8416,244 +8415,6 @@
       </p:grpSpPr>
       <p:sp>
         <p:nvSpPr>
-          <p:cNvPr id="5" name="제목 1"/>
-          <p:cNvSpPr>
-            <a:spLocks noGrp="1"/>
-          </p:cNvSpPr>
-          <p:nvPr>
-            <p:ph type="title"/>
-          </p:nvPr>
-        </p:nvSpPr>
-        <p:spPr>
-          <a:xfrm>
-            <a:off x="-9743" y="-1754"/>
-            <a:ext cx="2061463" cy="1143000"/>
-          </a:xfrm>
-        </p:spPr>
-        <p:txBody>
-          <a:bodyPr>
-            <a:normAutofit/>
-          </a:bodyPr>
-          <a:lstStyle/>
-          <a:p>
-            <a:pPr marL="857250" indent="-857250">
-              <a:buFont typeface="+mj-lt"/>
-              <a:buAutoNum type="romanUcPeriod" startAt="7"/>
-            </a:pPr>
-            <a:r>
-              <a:rPr lang="ko-KR" altLang="en-US" sz="2800" dirty="0"/>
-              <a:t>결론</a:t>
-            </a:r>
-          </a:p>
-        </p:txBody>
-      </p:sp>
-      <p:sp>
-        <p:nvSpPr>
-          <p:cNvPr id="8" name="직사각형 7"/>
-          <p:cNvSpPr/>
-          <p:nvPr/>
-        </p:nvSpPr>
-        <p:spPr>
-          <a:xfrm>
-            <a:off x="3138645" y="1852804"/>
-            <a:ext cx="2855754" cy="571504"/>
-          </a:xfrm>
-          <a:prstGeom prst="rect">
-            <a:avLst/>
-          </a:prstGeom>
-          <a:noFill/>
-          <a:ln w="15875">
-            <a:solidFill>
-              <a:srgbClr val="72BB61"/>
-            </a:solidFill>
-          </a:ln>
-        </p:spPr>
-        <p:style>
-          <a:lnRef idx="2">
-            <a:schemeClr val="accent1">
-              <a:shade val="50000"/>
-            </a:schemeClr>
-          </a:lnRef>
-          <a:fillRef idx="1">
-            <a:schemeClr val="accent1"/>
-          </a:fillRef>
-          <a:effectRef idx="0">
-            <a:schemeClr val="accent1"/>
-          </a:effectRef>
-          <a:fontRef idx="minor">
-            <a:schemeClr val="lt1"/>
-          </a:fontRef>
-        </p:style>
-        <p:txBody>
-          <a:bodyPr rtlCol="0" anchor="ctr"/>
-          <a:lstStyle/>
-          <a:p>
-            <a:pPr algn="ctr"/>
-            <a:r>
-              <a:rPr lang="ko-KR" altLang="en-US" dirty="0">
-                <a:solidFill>
-                  <a:schemeClr val="tx1"/>
-                </a:solidFill>
-              </a:rPr>
-              <a:t>결과와 성과</a:t>
-            </a:r>
-          </a:p>
-        </p:txBody>
-      </p:sp>
-      <p:sp>
-        <p:nvSpPr>
-          <p:cNvPr id="13" name="직사각형 12"/>
-          <p:cNvSpPr/>
-          <p:nvPr/>
-        </p:nvSpPr>
-        <p:spPr>
-          <a:xfrm>
-            <a:off x="3146296" y="3143248"/>
-            <a:ext cx="2851407" cy="571504"/>
-          </a:xfrm>
-          <a:prstGeom prst="rect">
-            <a:avLst/>
-          </a:prstGeom>
-          <a:noFill/>
-          <a:ln w="15875">
-            <a:solidFill>
-              <a:srgbClr val="72BB61"/>
-            </a:solidFill>
-          </a:ln>
-        </p:spPr>
-        <p:style>
-          <a:lnRef idx="2">
-            <a:schemeClr val="accent1">
-              <a:shade val="50000"/>
-            </a:schemeClr>
-          </a:lnRef>
-          <a:fillRef idx="1">
-            <a:schemeClr val="accent1"/>
-          </a:fillRef>
-          <a:effectRef idx="0">
-            <a:schemeClr val="accent1"/>
-          </a:effectRef>
-          <a:fontRef idx="minor">
-            <a:schemeClr val="lt1"/>
-          </a:fontRef>
-        </p:style>
-        <p:txBody>
-          <a:bodyPr rtlCol="0" anchor="ctr"/>
-          <a:lstStyle/>
-          <a:p>
-            <a:pPr algn="ctr"/>
-            <a:r>
-              <a:rPr lang="ko-KR" altLang="en-US" dirty="0">
-                <a:solidFill>
-                  <a:schemeClr val="tx1"/>
-                </a:solidFill>
-              </a:rPr>
-              <a:t>개선</a:t>
-            </a:r>
-            <a:r>
-              <a:rPr lang="en-US" altLang="ko-KR" dirty="0">
-                <a:solidFill>
-                  <a:schemeClr val="tx1"/>
-                </a:solidFill>
-              </a:rPr>
-              <a:t>, </a:t>
-            </a:r>
-            <a:r>
-              <a:rPr lang="ko-KR" altLang="en-US" dirty="0">
-                <a:solidFill>
-                  <a:schemeClr val="tx1"/>
-                </a:solidFill>
-              </a:rPr>
-              <a:t>추가 사항</a:t>
-            </a:r>
-          </a:p>
-        </p:txBody>
-      </p:sp>
-      <p:sp>
-        <p:nvSpPr>
-          <p:cNvPr id="16" name="직사각형 15"/>
-          <p:cNvSpPr/>
-          <p:nvPr/>
-        </p:nvSpPr>
-        <p:spPr>
-          <a:xfrm>
-            <a:off x="3146296" y="4433692"/>
-            <a:ext cx="2848103" cy="571504"/>
-          </a:xfrm>
-          <a:prstGeom prst="rect">
-            <a:avLst/>
-          </a:prstGeom>
-          <a:noFill/>
-          <a:ln w="15875">
-            <a:solidFill>
-              <a:srgbClr val="72BB61"/>
-            </a:solidFill>
-          </a:ln>
-        </p:spPr>
-        <p:style>
-          <a:lnRef idx="2">
-            <a:schemeClr val="accent1">
-              <a:shade val="50000"/>
-            </a:schemeClr>
-          </a:lnRef>
-          <a:fillRef idx="1">
-            <a:schemeClr val="accent1"/>
-          </a:fillRef>
-          <a:effectRef idx="0">
-            <a:schemeClr val="accent1"/>
-          </a:effectRef>
-          <a:fontRef idx="minor">
-            <a:schemeClr val="lt1"/>
-          </a:fontRef>
-        </p:style>
-        <p:txBody>
-          <a:bodyPr rtlCol="0" anchor="ctr"/>
-          <a:lstStyle/>
-          <a:p>
-            <a:pPr algn="ctr"/>
-            <a:r>
-              <a:rPr lang="ko-KR" altLang="en-US" dirty="0">
-                <a:solidFill>
-                  <a:schemeClr val="tx1"/>
-                </a:solidFill>
-              </a:rPr>
-              <a:t>회고</a:t>
-            </a:r>
-          </a:p>
-        </p:txBody>
-      </p:sp>
-    </p:spTree>
-    <p:extLst>
-      <p:ext uri="{BB962C8B-B14F-4D97-AF65-F5344CB8AC3E}">
-        <p14:creationId xmlns:p14="http://schemas.microsoft.com/office/powerpoint/2010/main" val="4203246430"/>
-      </p:ext>
-    </p:extLst>
-  </p:cSld>
-  <p:clrMapOvr>
-    <a:masterClrMapping/>
-  </p:clrMapOvr>
-</p:sld>
-</file>
-
-<file path=ppt/slides/slide11.xml><?xml version="1.0" encoding="utf-8"?>
-<p:sld xmlns:a="http://schemas.openxmlformats.org/drawingml/2006/main" xmlns:r="http://schemas.openxmlformats.org/officeDocument/2006/relationships" xmlns:p="http://schemas.openxmlformats.org/presentationml/2006/main">
-  <p:cSld>
-    <p:spTree>
-      <p:nvGrpSpPr>
-        <p:cNvPr id="1" name=""/>
-        <p:cNvGrpSpPr/>
-        <p:nvPr/>
-      </p:nvGrpSpPr>
-      <p:grpSpPr>
-        <a:xfrm>
-          <a:off x="0" y="0"/>
-          <a:ext cx="0" cy="0"/>
-          <a:chOff x="0" y="0"/>
-          <a:chExt cx="0" cy="0"/>
-        </a:xfrm>
-      </p:grpSpPr>
-      <p:sp>
-        <p:nvSpPr>
           <p:cNvPr id="4" name="직사각형 3"/>
           <p:cNvSpPr/>
           <p:nvPr/>
@@ -17262,7 +17023,7 @@
         <p:spPr>
           <a:xfrm>
             <a:off x="1907704" y="1421401"/>
-            <a:ext cx="5072098" cy="4303229"/>
+            <a:ext cx="5072098" cy="3687676"/>
           </a:xfrm>
           <a:prstGeom prst="rect">
             <a:avLst/>
@@ -17349,20 +17110,6 @@
             <a:r>
               <a:rPr lang="ko-KR" altLang="en-US" sz="2000" dirty="0"/>
               <a:t>개발 과정</a:t>
-            </a:r>
-            <a:endParaRPr lang="en-US" altLang="ko-KR" sz="2000" dirty="0"/>
-          </a:p>
-          <a:p>
-            <a:pPr marL="400050" indent="-400050">
-              <a:lnSpc>
-                <a:spcPct val="200000"/>
-              </a:lnSpc>
-              <a:buFont typeface="+mj-lt"/>
-              <a:buAutoNum type="romanUcPeriod"/>
-            </a:pPr>
-            <a:r>
-              <a:rPr lang="ko-KR" altLang="en-US" sz="2000" dirty="0"/>
-              <a:t>프로젝트 도전과 해결</a:t>
             </a:r>
             <a:endParaRPr lang="en-US" altLang="ko-KR" sz="2000" dirty="0"/>
           </a:p>
@@ -18429,7 +18176,7 @@
         <p:spPr>
           <a:xfrm>
             <a:off x="0" y="8693"/>
-            <a:ext cx="2915816" cy="1143000"/>
+            <a:ext cx="5292080" cy="1143000"/>
           </a:xfrm>
         </p:spPr>
         <p:txBody>
@@ -18444,17 +18191,17 @@
             </a:pPr>
             <a:r>
               <a:rPr lang="ko-KR" altLang="en-US" sz="2400" dirty="0"/>
-              <a:t>개발 과정</a:t>
+              <a:t>역할　분담　및　협업　방식</a:t>
             </a:r>
           </a:p>
         </p:txBody>
       </p:sp>
       <p:sp>
         <p:nvSpPr>
-          <p:cNvPr id="14" name="직사각형 13">
+          <p:cNvPr id="3" name="양쪽 중괄호 2">
             <a:extLst>
               <a:ext uri="{FF2B5EF4-FFF2-40B4-BE49-F238E27FC236}">
-                <a16:creationId xmlns:a16="http://schemas.microsoft.com/office/drawing/2014/main" id="{8CA749B7-451B-CFCE-3B13-533F1A81C19A}"/>
+                <a16:creationId xmlns:a16="http://schemas.microsoft.com/office/drawing/2014/main" id="{3FB06841-6484-2C6A-8B51-EC2CCA85B2E2}"/>
               </a:ext>
             </a:extLst>
           </p:cNvPr>
@@ -18463,8 +18210,405 @@
         </p:nvSpPr>
         <p:spPr>
           <a:xfrm>
-            <a:off x="1511660" y="2173135"/>
-            <a:ext cx="6120680" cy="1071570"/>
+            <a:off x="3347864" y="1196752"/>
+            <a:ext cx="4653160" cy="2304256"/>
+          </a:xfrm>
+          <a:prstGeom prst="bracePair">
+            <a:avLst/>
+          </a:prstGeom>
+          <a:ln w="15875">
+            <a:solidFill>
+              <a:srgbClr val="79BF69"/>
+            </a:solidFill>
+          </a:ln>
+        </p:spPr>
+        <p:style>
+          <a:lnRef idx="1">
+            <a:schemeClr val="accent1"/>
+          </a:lnRef>
+          <a:fillRef idx="0">
+            <a:schemeClr val="accent1"/>
+          </a:fillRef>
+          <a:effectRef idx="0">
+            <a:schemeClr val="accent1"/>
+          </a:effectRef>
+          <a:fontRef idx="minor">
+            <a:schemeClr val="tx1"/>
+          </a:fontRef>
+        </p:style>
+        <p:txBody>
+          <a:bodyPr rtlCol="0" anchor="ctr"/>
+          <a:lstStyle/>
+          <a:p>
+            <a:pPr algn="ctr">
+              <a:lnSpc>
+                <a:spcPct val="150000"/>
+              </a:lnSpc>
+            </a:pPr>
+            <a:r>
+              <a:rPr lang="ko-KR" altLang="en-US" b="1" dirty="0" err="1">
+                <a:effectLst/>
+              </a:rPr>
+              <a:t>이한식</a:t>
+            </a:r>
+            <a:r>
+              <a:rPr lang="en-US" altLang="ko-KR" dirty="0"/>
+              <a:t>: </a:t>
+            </a:r>
+            <a:r>
+              <a:rPr lang="ko-KR" altLang="en-US" dirty="0"/>
+              <a:t>홈페이지</a:t>
+            </a:r>
+            <a:r>
+              <a:rPr lang="en-US" altLang="ko-KR" dirty="0"/>
+              <a:t>, </a:t>
+            </a:r>
+            <a:r>
+              <a:rPr lang="ko-KR" altLang="en-US" dirty="0"/>
+              <a:t>방명록 작성 </a:t>
+            </a:r>
+            <a:r>
+              <a:rPr lang="ko-KR" altLang="en-US" dirty="0" err="1"/>
+              <a:t>페이지，발표</a:t>
+            </a:r>
+            <a:r>
+              <a:rPr lang="ko-KR" altLang="en-US" dirty="0"/>
+              <a:t> 담당</a:t>
+            </a:r>
+            <a:endParaRPr lang="en-US" altLang="ko-KR" dirty="0"/>
+          </a:p>
+          <a:p>
+            <a:pPr algn="ctr">
+              <a:lnSpc>
+                <a:spcPct val="150000"/>
+              </a:lnSpc>
+            </a:pPr>
+            <a:r>
+              <a:rPr lang="ko-KR" altLang="en-US" b="1" dirty="0" err="1"/>
+              <a:t>지창현</a:t>
+            </a:r>
+            <a:r>
+              <a:rPr lang="en-US" altLang="ko-KR" dirty="0"/>
+              <a:t>: </a:t>
+            </a:r>
+            <a:r>
+              <a:rPr lang="ko-KR" altLang="en-US" dirty="0"/>
+              <a:t>팀원 상세 페이지를 담당</a:t>
+            </a:r>
+            <a:endParaRPr lang="en-US" altLang="ko-KR" dirty="0"/>
+          </a:p>
+          <a:p>
+            <a:pPr algn="ctr"/>
+            <a:r>
+              <a:rPr lang="ko-KR" altLang="en-US" b="1" dirty="0"/>
+              <a:t>지민지</a:t>
+            </a:r>
+            <a:r>
+              <a:rPr lang="en-US" altLang="ko-KR" dirty="0"/>
+              <a:t>: </a:t>
+            </a:r>
+            <a:r>
+              <a:rPr lang="ko-KR" altLang="en-US" dirty="0"/>
+              <a:t>방명록 목록 페이지를 담당</a:t>
+            </a:r>
+            <a:endParaRPr lang="en-US" altLang="ko-KR" dirty="0"/>
+          </a:p>
+          <a:p>
+            <a:pPr algn="ctr">
+              <a:lnSpc>
+                <a:spcPct val="150000"/>
+              </a:lnSpc>
+            </a:pPr>
+            <a:endParaRPr lang="en-US" altLang="ko-KR" dirty="0"/>
+          </a:p>
+        </p:txBody>
+      </p:sp>
+      <p:sp>
+        <p:nvSpPr>
+          <p:cNvPr id="4" name="양쪽 중괄호 3">
+            <a:extLst>
+              <a:ext uri="{FF2B5EF4-FFF2-40B4-BE49-F238E27FC236}">
+                <a16:creationId xmlns:a16="http://schemas.microsoft.com/office/drawing/2014/main" id="{77D64B87-FBEC-4977-D8BF-35E9F0257552}"/>
+              </a:ext>
+            </a:extLst>
+          </p:cNvPr>
+          <p:cNvSpPr/>
+          <p:nvPr/>
+        </p:nvSpPr>
+        <p:spPr>
+          <a:xfrm>
+            <a:off x="3447232" y="3789040"/>
+            <a:ext cx="4653160" cy="2214578"/>
+          </a:xfrm>
+          <a:prstGeom prst="bracePair">
+            <a:avLst/>
+          </a:prstGeom>
+          <a:ln w="15875">
+            <a:solidFill>
+              <a:srgbClr val="82C373"/>
+            </a:solidFill>
+          </a:ln>
+        </p:spPr>
+        <p:style>
+          <a:lnRef idx="1">
+            <a:schemeClr val="accent1"/>
+          </a:lnRef>
+          <a:fillRef idx="0">
+            <a:schemeClr val="accent1"/>
+          </a:fillRef>
+          <a:effectRef idx="0">
+            <a:schemeClr val="accent1"/>
+          </a:effectRef>
+          <a:fontRef idx="minor">
+            <a:schemeClr val="tx1"/>
+          </a:fontRef>
+        </p:style>
+        <p:txBody>
+          <a:bodyPr rtlCol="0" anchor="ctr"/>
+          <a:lstStyle/>
+          <a:p>
+            <a:r>
+              <a:rPr lang="ko-KR" altLang="en-US" b="1" dirty="0"/>
+              <a:t>유건우</a:t>
+            </a:r>
+            <a:r>
+              <a:rPr lang="en-US" altLang="ko-KR" dirty="0"/>
+              <a:t>: </a:t>
+            </a:r>
+            <a:r>
+              <a:rPr lang="ko-KR" altLang="en-US" dirty="0" err="1"/>
+              <a:t>프론트엔드와</a:t>
+            </a:r>
+            <a:r>
+              <a:rPr lang="ko-KR" altLang="en-US" dirty="0"/>
+              <a:t> </a:t>
+            </a:r>
+            <a:r>
+              <a:rPr lang="ko-KR" altLang="en-US" dirty="0" err="1"/>
+              <a:t>백엔드</a:t>
+            </a:r>
+            <a:r>
+              <a:rPr lang="ko-KR" altLang="en-US" dirty="0"/>
+              <a:t> 간의 통신 경로</a:t>
+            </a:r>
+            <a:r>
+              <a:rPr lang="en-US" altLang="ko-KR" dirty="0"/>
+              <a:t>(URI)</a:t>
+            </a:r>
+            <a:r>
+              <a:rPr lang="ko-KR" altLang="en-US" dirty="0"/>
+              <a:t>를 구축</a:t>
+            </a:r>
+            <a:endParaRPr lang="en-US" altLang="ko-KR" dirty="0"/>
+          </a:p>
+          <a:p>
+            <a:pPr>
+              <a:buFont typeface="Arial" panose="020B0604020202020204" pitchFamily="34" charset="0"/>
+              <a:buChar char="•"/>
+            </a:pPr>
+            <a:endParaRPr lang="en-US" altLang="ko-KR" dirty="0"/>
+          </a:p>
+          <a:p>
+            <a:r>
+              <a:rPr lang="ko-KR" altLang="en-US" b="1" dirty="0" err="1"/>
+              <a:t>유선준</a:t>
+            </a:r>
+            <a:r>
+              <a:rPr lang="en-US" altLang="ko-KR" dirty="0"/>
+              <a:t>: </a:t>
+            </a:r>
+            <a:r>
+              <a:rPr lang="ko-KR" altLang="en-US" dirty="0"/>
+              <a:t>간단한 </a:t>
+            </a:r>
+            <a:r>
+              <a:rPr lang="en-US" altLang="ko-KR" dirty="0"/>
+              <a:t>CRUD </a:t>
+            </a:r>
+            <a:r>
+              <a:rPr lang="ko-KR" altLang="en-US" dirty="0"/>
+              <a:t>기능을 구축</a:t>
+            </a:r>
+            <a:r>
+              <a:rPr lang="en-US" altLang="ko-KR" dirty="0"/>
+              <a:t>, </a:t>
+            </a:r>
+            <a:r>
+              <a:rPr lang="ko-KR" altLang="en-US" dirty="0"/>
+              <a:t>방명록 작성 및 목록 </a:t>
+            </a:r>
+            <a:r>
+              <a:rPr lang="en-US" altLang="ko-KR" dirty="0"/>
+              <a:t>API</a:t>
+            </a:r>
+            <a:r>
+              <a:rPr lang="ko-KR" altLang="en-US" dirty="0"/>
+              <a:t>를 구현，</a:t>
+            </a:r>
+            <a:r>
+              <a:rPr lang="en-US" altLang="ko-KR" dirty="0"/>
+              <a:t> </a:t>
+            </a:r>
+            <a:r>
+              <a:rPr lang="ko-KR" altLang="en-US" dirty="0" err="1"/>
+              <a:t>프론트엔드와의</a:t>
+            </a:r>
+            <a:r>
+              <a:rPr lang="ko-KR" altLang="en-US" dirty="0"/>
+              <a:t> 연결을 담당</a:t>
+            </a:r>
+            <a:endParaRPr lang="en-US" altLang="ko-KR" dirty="0"/>
+          </a:p>
+        </p:txBody>
+      </p:sp>
+      <p:sp>
+        <p:nvSpPr>
+          <p:cNvPr id="5" name="TextBox 4">
+            <a:extLst>
+              <a:ext uri="{FF2B5EF4-FFF2-40B4-BE49-F238E27FC236}">
+                <a16:creationId xmlns:a16="http://schemas.microsoft.com/office/drawing/2014/main" id="{660A24E5-43B3-F801-7EDF-DB38CCCA391B}"/>
+              </a:ext>
+            </a:extLst>
+          </p:cNvPr>
+          <p:cNvSpPr txBox="1"/>
+          <p:nvPr/>
+        </p:nvSpPr>
+        <p:spPr>
+          <a:xfrm>
+            <a:off x="924278" y="2039206"/>
+            <a:ext cx="2087581" cy="400110"/>
+          </a:xfrm>
+          <a:prstGeom prst="rect">
+            <a:avLst/>
+          </a:prstGeom>
+          <a:noFill/>
+        </p:spPr>
+        <p:txBody>
+          <a:bodyPr wrap="square" rtlCol="0">
+            <a:spAutoFit/>
+          </a:bodyPr>
+          <a:lstStyle/>
+          <a:p>
+            <a:pPr>
+              <a:buFont typeface="Wingdings" pitchFamily="2" charset="2"/>
+              <a:buChar char="ü"/>
+            </a:pPr>
+            <a:r>
+              <a:rPr lang="ko-KR" altLang="en-US" sz="2000" dirty="0" err="1"/>
+              <a:t>프론트엔드</a:t>
+            </a:r>
+            <a:endParaRPr lang="ko-KR" altLang="en-US" sz="2000" dirty="0"/>
+          </a:p>
+        </p:txBody>
+      </p:sp>
+      <p:sp>
+        <p:nvSpPr>
+          <p:cNvPr id="6" name="TextBox 5">
+            <a:extLst>
+              <a:ext uri="{FF2B5EF4-FFF2-40B4-BE49-F238E27FC236}">
+                <a16:creationId xmlns:a16="http://schemas.microsoft.com/office/drawing/2014/main" id="{D55E8876-EBCF-BDFD-9393-345A14B84C25}"/>
+              </a:ext>
+            </a:extLst>
+          </p:cNvPr>
+          <p:cNvSpPr txBox="1"/>
+          <p:nvPr/>
+        </p:nvSpPr>
+        <p:spPr>
+          <a:xfrm>
+            <a:off x="900242" y="4709995"/>
+            <a:ext cx="2087581" cy="400110"/>
+          </a:xfrm>
+          <a:prstGeom prst="rect">
+            <a:avLst/>
+          </a:prstGeom>
+          <a:noFill/>
+        </p:spPr>
+        <p:txBody>
+          <a:bodyPr wrap="square" rtlCol="0">
+            <a:spAutoFit/>
+          </a:bodyPr>
+          <a:lstStyle/>
+          <a:p>
+            <a:pPr>
+              <a:buFont typeface="Wingdings" pitchFamily="2" charset="2"/>
+              <a:buChar char="ü"/>
+            </a:pPr>
+            <a:r>
+              <a:rPr lang="ko-KR" altLang="en-US" sz="2000"/>
+              <a:t>주요 기능 개요</a:t>
+            </a:r>
+            <a:endParaRPr lang="ko-KR" altLang="en-US" sz="2000" dirty="0"/>
+          </a:p>
+        </p:txBody>
+      </p:sp>
+    </p:spTree>
+  </p:cSld>
+  <p:clrMapOvr>
+    <a:masterClrMapping/>
+  </p:clrMapOvr>
+</p:sld>
+</file>
+
+<file path=ppt/slides/slide9.xml><?xml version="1.0" encoding="utf-8"?>
+<p:sld xmlns:a="http://schemas.openxmlformats.org/drawingml/2006/main" xmlns:r="http://schemas.openxmlformats.org/officeDocument/2006/relationships" xmlns:p="http://schemas.openxmlformats.org/presentationml/2006/main">
+  <p:cSld>
+    <p:spTree>
+      <p:nvGrpSpPr>
+        <p:cNvPr id="1" name=""/>
+        <p:cNvGrpSpPr/>
+        <p:nvPr/>
+      </p:nvGrpSpPr>
+      <p:grpSpPr>
+        <a:xfrm>
+          <a:off x="0" y="0"/>
+          <a:ext cx="0" cy="0"/>
+          <a:chOff x="0" y="0"/>
+          <a:chExt cx="0" cy="0"/>
+        </a:xfrm>
+      </p:grpSpPr>
+      <p:sp>
+        <p:nvSpPr>
+          <p:cNvPr id="5" name="제목 1"/>
+          <p:cNvSpPr>
+            <a:spLocks noGrp="1"/>
+          </p:cNvSpPr>
+          <p:nvPr>
+            <p:ph type="title"/>
+          </p:nvPr>
+        </p:nvSpPr>
+        <p:spPr>
+          <a:xfrm>
+            <a:off x="-9743" y="-1754"/>
+            <a:ext cx="2061463" cy="1143000"/>
+          </a:xfrm>
+        </p:spPr>
+        <p:txBody>
+          <a:bodyPr>
+            <a:normAutofit/>
+          </a:bodyPr>
+          <a:lstStyle/>
+          <a:p>
+            <a:pPr marL="857250" indent="-857250">
+              <a:buFont typeface="+mj-lt"/>
+              <a:buAutoNum type="romanUcPeriod" startAt="7"/>
+            </a:pPr>
+            <a:r>
+              <a:rPr lang="ko-KR" altLang="en-US" sz="2800" dirty="0"/>
+              <a:t>결론</a:t>
+            </a:r>
+          </a:p>
+        </p:txBody>
+      </p:sp>
+      <p:sp>
+        <p:nvSpPr>
+          <p:cNvPr id="8" name="직사각형 7"/>
+          <p:cNvSpPr/>
+          <p:nvPr/>
+        </p:nvSpPr>
+        <p:spPr>
+          <a:xfrm>
+            <a:off x="3138645" y="1852804"/>
+            <a:ext cx="2855754" cy="571504"/>
           </a:xfrm>
           <a:prstGeom prst="rect">
             <a:avLst/>
@@ -18472,7 +18616,7 @@
           <a:noFill/>
           <a:ln w="15875">
             <a:solidFill>
-              <a:srgbClr val="82C373"/>
+              <a:srgbClr val="72BB61"/>
             </a:solidFill>
           </a:ln>
         </p:spPr>
@@ -18503,32 +18647,21 @@
                   <a:schemeClr val="tx1"/>
                 </a:solidFill>
               </a:rPr>
-              <a:t>역할 분담 및 협업 방식</a:t>
+              <a:t>결과와 성과</a:t>
             </a:r>
-            <a:endParaRPr lang="en-US" altLang="ko-KR" dirty="0">
-              <a:solidFill>
-                <a:schemeClr val="tx1"/>
-              </a:solidFill>
-            </a:endParaRPr>
           </a:p>
         </p:txBody>
       </p:sp>
       <p:sp>
         <p:nvSpPr>
-          <p:cNvPr id="15" name="직사각형 14">
-            <a:extLst>
-              <a:ext uri="{FF2B5EF4-FFF2-40B4-BE49-F238E27FC236}">
-                <a16:creationId xmlns:a16="http://schemas.microsoft.com/office/drawing/2014/main" id="{5261D353-7562-7AF7-2856-986407DCDD48}"/>
-              </a:ext>
-            </a:extLst>
-          </p:cNvPr>
+          <p:cNvPr id="13" name="직사각형 12"/>
           <p:cNvSpPr/>
           <p:nvPr/>
         </p:nvSpPr>
         <p:spPr>
           <a:xfrm>
-            <a:off x="1511660" y="4149080"/>
-            <a:ext cx="6120680" cy="1071570"/>
+            <a:off x="3146296" y="3143248"/>
+            <a:ext cx="2851407" cy="571504"/>
           </a:xfrm>
           <a:prstGeom prst="rect">
             <a:avLst/>
@@ -18536,7 +18669,7 @@
           <a:noFill/>
           <a:ln w="15875">
             <a:solidFill>
-              <a:srgbClr val="82C373"/>
+              <a:srgbClr val="72BB61"/>
             </a:solidFill>
           </a:ln>
         </p:spPr>
@@ -18567,100 +18700,45 @@
                   <a:schemeClr val="tx1"/>
                 </a:solidFill>
               </a:rPr>
-              <a:t>개발 과정 및 문제 해결</a:t>
+              <a:t>개선</a:t>
             </a:r>
-            <a:endParaRPr lang="en-US" altLang="ko-KR" dirty="0">
-              <a:solidFill>
-                <a:schemeClr val="tx1"/>
-              </a:solidFill>
-            </a:endParaRPr>
-          </a:p>
-        </p:txBody>
-      </p:sp>
-    </p:spTree>
-  </p:cSld>
-  <p:clrMapOvr>
-    <a:masterClrMapping/>
-  </p:clrMapOvr>
-</p:sld>
-</file>
-
-<file path=ppt/slides/slide9.xml><?xml version="1.0" encoding="utf-8"?>
-<p:sld xmlns:a="http://schemas.openxmlformats.org/drawingml/2006/main" xmlns:r="http://schemas.openxmlformats.org/officeDocument/2006/relationships" xmlns:p="http://schemas.openxmlformats.org/presentationml/2006/main">
-  <p:cSld>
-    <p:spTree>
-      <p:nvGrpSpPr>
-        <p:cNvPr id="1" name=""/>
-        <p:cNvGrpSpPr/>
-        <p:nvPr/>
-      </p:nvGrpSpPr>
-      <p:grpSpPr>
-        <a:xfrm>
-          <a:off x="0" y="0"/>
-          <a:ext cx="0" cy="0"/>
-          <a:chOff x="0" y="0"/>
-          <a:chExt cx="0" cy="0"/>
-        </a:xfrm>
-      </p:grpSpPr>
-      <p:sp>
-        <p:nvSpPr>
-          <p:cNvPr id="2" name="제목 1"/>
-          <p:cNvSpPr>
-            <a:spLocks noGrp="1"/>
-          </p:cNvSpPr>
-          <p:nvPr>
-            <p:ph type="title"/>
-          </p:nvPr>
-        </p:nvSpPr>
-        <p:spPr>
-          <a:xfrm>
-            <a:off x="0" y="0"/>
-            <a:ext cx="4929222" cy="1143000"/>
-          </a:xfrm>
-        </p:spPr>
-        <p:txBody>
-          <a:bodyPr>
-            <a:normAutofit/>
-          </a:bodyPr>
-          <a:lstStyle/>
-          <a:p>
-            <a:pPr marL="857250" indent="-857250">
-              <a:buFont typeface="+mj-lt"/>
-              <a:buAutoNum type="romanUcPeriod" startAt="6"/>
-            </a:pPr>
             <a:r>
-              <a:rPr lang="ko-KR" altLang="en-US" sz="2800" dirty="0"/>
-              <a:t>프로젝트 도전과 해결</a:t>
+              <a:rPr lang="en-US" altLang="ko-KR" dirty="0">
+                <a:solidFill>
+                  <a:schemeClr val="tx1"/>
+                </a:solidFill>
+              </a:rPr>
+              <a:t>, </a:t>
+            </a:r>
+            <a:r>
+              <a:rPr lang="ko-KR" altLang="en-US" dirty="0">
+                <a:solidFill>
+                  <a:schemeClr val="tx1"/>
+                </a:solidFill>
+              </a:rPr>
+              <a:t>추가 사항</a:t>
             </a:r>
           </a:p>
         </p:txBody>
       </p:sp>
       <p:sp>
         <p:nvSpPr>
-          <p:cNvPr id="3" name="타원 2">
-            <a:extLst>
-              <a:ext uri="{FF2B5EF4-FFF2-40B4-BE49-F238E27FC236}">
-                <a16:creationId xmlns:a16="http://schemas.microsoft.com/office/drawing/2014/main" id="{F126A648-9B05-B68D-DB99-9D8439BF6E49}"/>
-              </a:ext>
-            </a:extLst>
-          </p:cNvPr>
+          <p:cNvPr id="16" name="직사각형 15"/>
           <p:cNvSpPr/>
           <p:nvPr/>
         </p:nvSpPr>
         <p:spPr>
           <a:xfrm>
-            <a:off x="1209237" y="2500306"/>
-            <a:ext cx="2714644" cy="2714644"/>
+            <a:off x="3146296" y="4433692"/>
+            <a:ext cx="2848103" cy="571504"/>
           </a:xfrm>
-          <a:prstGeom prst="ellipse">
+          <a:prstGeom prst="rect">
             <a:avLst/>
           </a:prstGeom>
           <a:noFill/>
-          <a:ln w="25400">
+          <a:ln w="15875">
             <a:solidFill>
-              <a:srgbClr val="79BF69">
-                <a:alpha val="49000"/>
-              </a:srgbClr>
+              <a:srgbClr val="72BB61"/>
             </a:solidFill>
           </a:ln>
         </p:spPr>
@@ -18684,103 +18762,24 @@
           <a:bodyPr rtlCol="0" anchor="ctr"/>
           <a:lstStyle/>
           <a:p>
-            <a:pPr algn="ctr">
-              <a:lnSpc>
-                <a:spcPct val="150000"/>
-              </a:lnSpc>
-            </a:pPr>
+            <a:pPr algn="ctr"/>
             <a:r>
               <a:rPr lang="ko-KR" altLang="en-US" dirty="0">
                 <a:solidFill>
                   <a:schemeClr val="tx1"/>
                 </a:solidFill>
               </a:rPr>
-              <a:t>주요 문제점</a:t>
-            </a:r>
-          </a:p>
-        </p:txBody>
-      </p:sp>
-      <p:sp>
-        <p:nvSpPr>
-          <p:cNvPr id="6" name="타원 5">
-            <a:extLst>
-              <a:ext uri="{FF2B5EF4-FFF2-40B4-BE49-F238E27FC236}">
-                <a16:creationId xmlns:a16="http://schemas.microsoft.com/office/drawing/2014/main" id="{43680968-199E-B960-B9A2-A1C70B1068F8}"/>
-              </a:ext>
-            </a:extLst>
-          </p:cNvPr>
-          <p:cNvSpPr/>
-          <p:nvPr/>
-        </p:nvSpPr>
-        <p:spPr>
-          <a:xfrm>
-            <a:off x="5372139" y="2500306"/>
-            <a:ext cx="2714644" cy="2714644"/>
-          </a:xfrm>
-          <a:prstGeom prst="ellipse">
-            <a:avLst/>
-          </a:prstGeom>
-          <a:noFill/>
-          <a:ln w="25400">
-            <a:solidFill>
-              <a:srgbClr val="79BF69">
-                <a:alpha val="49000"/>
-              </a:srgbClr>
-            </a:solidFill>
-          </a:ln>
-        </p:spPr>
-        <p:style>
-          <a:lnRef idx="2">
-            <a:schemeClr val="accent1">
-              <a:shade val="50000"/>
-            </a:schemeClr>
-          </a:lnRef>
-          <a:fillRef idx="1">
-            <a:schemeClr val="accent1"/>
-          </a:fillRef>
-          <a:effectRef idx="0">
-            <a:schemeClr val="accent1"/>
-          </a:effectRef>
-          <a:fontRef idx="minor">
-            <a:schemeClr val="lt1"/>
-          </a:fontRef>
-        </p:style>
-        <p:txBody>
-          <a:bodyPr rtlCol="0" anchor="ctr"/>
-          <a:lstStyle/>
-          <a:p>
-            <a:pPr algn="ctr">
-              <a:lnSpc>
-                <a:spcPct val="150000"/>
-              </a:lnSpc>
-            </a:pPr>
-            <a:r>
-              <a:rPr lang="ko-KR" altLang="en-US" dirty="0">
-                <a:solidFill>
-                  <a:schemeClr val="tx1"/>
-                </a:solidFill>
-              </a:rPr>
-              <a:t>해결 과정</a:t>
-            </a:r>
-            <a:br>
-              <a:rPr lang="en-US" altLang="ko-KR" dirty="0">
-                <a:solidFill>
-                  <a:schemeClr val="tx1"/>
-                </a:solidFill>
-              </a:rPr>
-            </a:br>
-            <a:r>
-              <a:rPr lang="ko-KR" altLang="en-US" dirty="0">
-                <a:solidFill>
-                  <a:schemeClr val="tx1"/>
-                </a:solidFill>
-              </a:rPr>
-              <a:t>배운 점</a:t>
+              <a:t>회고</a:t>
             </a:r>
           </a:p>
         </p:txBody>
       </p:sp>
     </p:spTree>
+    <p:extLst>
+      <p:ext uri="{BB962C8B-B14F-4D97-AF65-F5344CB8AC3E}">
+        <p14:creationId xmlns:p14="http://schemas.microsoft.com/office/powerpoint/2010/main" val="4203246430"/>
+      </p:ext>
+    </p:extLst>
   </p:cSld>
   <p:clrMapOvr>
     <a:masterClrMapping/>
@@ -19638,6 +19637,15 @@
 </file>
 
 <file path=customXml/item1.xml><?xml version="1.0" encoding="utf-8"?>
+<?mso-contentType ?>
+<FormTemplates xmlns="http://schemas.microsoft.com/sharepoint/v3/contenttype/forms">
+  <Display>DocumentLibraryForm</Display>
+  <Edit>DocumentLibraryForm</Edit>
+  <New>DocumentLibraryForm</New>
+</FormTemplates>
+</file>
+
+<file path=customXml/item2.xml><?xml version="1.0" encoding="utf-8"?>
 <ct:contentTypeSchema xmlns:ct="http://schemas.microsoft.com/office/2006/metadata/contentType" xmlns:ma="http://schemas.microsoft.com/office/2006/metadata/properties/metaAttributes" ct:_="" ma:_="" ma:contentTypeName="문서" ma:contentTypeID="0x010100E28D525440B82C4C8C8E559D4BDE8287" ma:contentTypeVersion="0" ma:contentTypeDescription="새 문서를 만듭니다." ma:contentTypeScope="" ma:versionID="919510133f2ae86e1debdd944922310a">
   <xsd:schema xmlns:xsd="http://www.w3.org/2001/XMLSchema" xmlns:xs="http://www.w3.org/2001/XMLSchema" xmlns:p="http://schemas.microsoft.com/office/2006/metadata/properties" targetNamespace="http://schemas.microsoft.com/office/2006/metadata/properties" ma:root="true" ma:fieldsID="dd8f6c9257034a6ffde9c3b3e5e5b894">
     <xsd:element name="properties">
@@ -19751,15 +19759,6 @@
 </ct:contentTypeSchema>
 </file>
 
-<file path=customXml/item2.xml><?xml version="1.0" encoding="utf-8"?>
-<?mso-contentType ?>
-<FormTemplates xmlns="http://schemas.microsoft.com/sharepoint/v3/contenttype/forms">
-  <Display>DocumentLibraryForm</Display>
-  <Edit>DocumentLibraryForm</Edit>
-  <New>DocumentLibraryForm</New>
-</FormTemplates>
-</file>
-
 <file path=customXml/item3.xml><?xml version="1.0" encoding="utf-8"?>
 <p:properties xmlns:p="http://schemas.microsoft.com/office/2006/metadata/properties" xmlns:xsi="http://www.w3.org/2001/XMLSchema-instance" xmlns:pc="http://schemas.microsoft.com/office/infopath/2007/PartnerControls">
   <documentManagement/>
@@ -19767,6 +19766,14 @@
 </file>
 
 <file path=customXml/itemProps1.xml><?xml version="1.0" encoding="utf-8"?>
+<ds:datastoreItem xmlns:ds="http://schemas.openxmlformats.org/officeDocument/2006/customXml" ds:itemID="{63A7913D-4047-4125-BE52-DACAE5599D56}">
+  <ds:schemaRefs>
+    <ds:schemaRef ds:uri="http://schemas.microsoft.com/sharepoint/v3/contenttype/forms"/>
+  </ds:schemaRefs>
+</ds:datastoreItem>
+</file>
+
+<file path=customXml/itemProps2.xml><?xml version="1.0" encoding="utf-8"?>
 <ds:datastoreItem xmlns:ds="http://schemas.openxmlformats.org/officeDocument/2006/customXml" ds:itemID="{30B4E994-6BC7-43B5-A465-CA4F0A17AFDA}">
   <ds:schemaRefs>
     <ds:schemaRef ds:uri="http://schemas.microsoft.com/office/2006/metadata/contentType"/>
@@ -19778,14 +19785,6 @@
     <ds:schemaRef ds:uri="http://purl.org/dc/terms/"/>
     <ds:schemaRef ds:uri="http://schemas.microsoft.com/internal/obd"/>
     <ds:schemaRef ds:uri="http://schemas.microsoft.com/office/infopath/2007/PartnerControls"/>
-  </ds:schemaRefs>
-</ds:datastoreItem>
-</file>
-
-<file path=customXml/itemProps2.xml><?xml version="1.0" encoding="utf-8"?>
-<ds:datastoreItem xmlns:ds="http://schemas.openxmlformats.org/officeDocument/2006/customXml" ds:itemID="{63A7913D-4047-4125-BE52-DACAE5599D56}">
-  <ds:schemaRefs>
-    <ds:schemaRef ds:uri="http://schemas.microsoft.com/sharepoint/v3/contenttype/forms"/>
   </ds:schemaRefs>
 </ds:datastoreItem>
 </file>
